--- a/slides/03-Recurrences.pptx
+++ b/slides/03-Recurrences.pptx
@@ -12299,7 +12299,7 @@
           <a:graphicData uri="http://schemas.openxmlformats.org/presentationml/2006/ole">
             <mc:AlternateContent xmlns:mc="http://schemas.openxmlformats.org/markup-compatibility/2006">
               <mc:Choice xmlns:v="urn:schemas-microsoft-com:vml" Requires="v">
-                <p:oleObj spid="_x0000_s39030" name="Photo Editor Photo" r:id="rId6" imgW="7658764" imgH="4031329" progId="">
+                <p:oleObj spid="_x0000_s39031" name="Photo Editor Photo" r:id="rId6" imgW="7658764" imgH="4031329" progId="">
                   <p:embed/>
                 </p:oleObj>
               </mc:Choice>

--- a/slides/03-Recurrences.pptx
+++ b/slides/03-Recurrences.pptx
@@ -1038,7 +1038,7 @@
             <a:fld id="{7AA5AD8F-F3B0-42A1-BADE-3E121779D997}" type="datetime1">
               <a:rPr lang="en-US" smtClean="0"/>
               <a:pPr/>
-              <a:t>9/21/22</a:t>
+              <a:t>9/23/22</a:t>
             </a:fld>
             <a:endParaRPr lang="en-US"/>
           </a:p>
@@ -1398,7 +1398,7 @@
             <a:fld id="{70B371D5-F170-4574-829E-67713AA2AF8B}" type="datetime1">
               <a:rPr lang="en-US" smtClean="0"/>
               <a:pPr/>
-              <a:t>9/21/22</a:t>
+              <a:t>9/23/22</a:t>
             </a:fld>
             <a:endParaRPr lang="en-US"/>
           </a:p>
@@ -1574,7 +1574,7 @@
             <a:fld id="{41DEAF00-D1FE-4F71-8891-85EEE31B7478}" type="datetime1">
               <a:rPr lang="en-US" smtClean="0"/>
               <a:pPr/>
-              <a:t>9/21/22</a:t>
+              <a:t>9/23/22</a:t>
             </a:fld>
             <a:endParaRPr lang="en-US"/>
           </a:p>
@@ -1891,7 +1891,7 @@
             <a:fld id="{94B9C8BD-ED75-4439-AD6B-9DD62AAFC8D9}" type="datetime1">
               <a:rPr lang="en-US" smtClean="0"/>
               <a:pPr/>
-              <a:t>9/21/22</a:t>
+              <a:t>9/23/22</a:t>
             </a:fld>
             <a:endParaRPr lang="en-US"/>
           </a:p>
@@ -2177,7 +2177,7 @@
             <a:fld id="{ECD93607-5884-4A96-A08B-80229D166DF1}" type="datetime1">
               <a:rPr lang="en-US" smtClean="0"/>
               <a:pPr/>
-              <a:t>9/21/22</a:t>
+              <a:t>9/23/22</a:t>
             </a:fld>
             <a:endParaRPr lang="en-US"/>
           </a:p>
@@ -2398,7 +2398,7 @@
             <a:fld id="{6F102B80-C461-45FB-9371-DFC9B0CCC0E5}" type="datetime1">
               <a:rPr lang="en-US" smtClean="0"/>
               <a:pPr/>
-              <a:t>9/21/22</a:t>
+              <a:t>9/23/22</a:t>
             </a:fld>
             <a:endParaRPr lang="en-US"/>
           </a:p>
@@ -2751,7 +2751,7 @@
             <a:fld id="{EA9CD99D-5207-446B-9DC5-D0DDD2D44051}" type="datetime1">
               <a:rPr lang="en-US" smtClean="0"/>
               <a:pPr/>
-              <a:t>9/21/22</a:t>
+              <a:t>9/23/22</a:t>
             </a:fld>
             <a:endParaRPr lang="en-US"/>
           </a:p>
@@ -2984,7 +2984,7 @@
             <a:fld id="{72673F1E-8F53-44C8-9921-41D9D265AD14}" type="datetime1">
               <a:rPr lang="en-US" smtClean="0"/>
               <a:pPr/>
-              <a:t>9/21/22</a:t>
+              <a:t>9/23/22</a:t>
             </a:fld>
             <a:endParaRPr lang="en-US"/>
           </a:p>
@@ -3126,7 +3126,7 @@
             <a:fld id="{E298527C-C606-48C4-B4D5-2567D6898083}" type="datetime1">
               <a:rPr lang="en-US" smtClean="0"/>
               <a:pPr/>
-              <a:t>9/21/22</a:t>
+              <a:t>9/23/22</a:t>
             </a:fld>
             <a:endParaRPr lang="en-US"/>
           </a:p>
@@ -3404,7 +3404,7 @@
             <a:fld id="{1539330C-42EA-483B-AECF-1BED7029D168}" type="datetime1">
               <a:rPr lang="en-US" smtClean="0"/>
               <a:pPr/>
-              <a:t>9/21/22</a:t>
+              <a:t>9/23/22</a:t>
             </a:fld>
             <a:endParaRPr lang="en-US"/>
           </a:p>
@@ -3812,7 +3812,7 @@
             <a:fld id="{6164C552-CBA0-44FF-B21C-CCB2A0CE4F32}" type="datetime1">
               <a:rPr lang="en-US" smtClean="0"/>
               <a:pPr/>
-              <a:t>9/21/22</a:t>
+              <a:t>9/23/22</a:t>
             </a:fld>
             <a:endParaRPr lang="en-US"/>
           </a:p>
@@ -4151,7 +4151,7 @@
             <a:fld id="{616F3C91-9847-4E06-A788-F916DE9E864B}" type="datetime1">
               <a:rPr lang="en-US" smtClean="0"/>
               <a:pPr/>
-              <a:t>9/21/22</a:t>
+              <a:t>9/23/22</a:t>
             </a:fld>
             <a:endParaRPr lang="en-US"/>
           </a:p>
@@ -12299,7 +12299,7 @@
           <a:graphicData uri="http://schemas.openxmlformats.org/presentationml/2006/ole">
             <mc:AlternateContent xmlns:mc="http://schemas.openxmlformats.org/markup-compatibility/2006">
               <mc:Choice xmlns:v="urn:schemas-microsoft-com:vml" Requires="v">
-                <p:oleObj spid="_x0000_s39031" name="Photo Editor Photo" r:id="rId6" imgW="7658764" imgH="4031329" progId="">
+                <p:oleObj spid="_x0000_s39036" name="Photo Editor Photo" r:id="rId6" imgW="7658764" imgH="4031329" progId="">
                   <p:embed/>
                 </p:oleObj>
               </mc:Choice>
@@ -12341,14 +12341,14 @@
                       </a:ln>
                       <a:extLst>
                         <a:ext uri="{909E8E84-426E-40dd-AFC4-6F175D3DCCD1}">
-                          <a14:hiddenFill xmlns:a14="http://schemas.microsoft.com/office/drawing/2010/main" xmlns="">
+                          <a14:hiddenFill xmlns="" xmlns:a14="http://schemas.microsoft.com/office/drawing/2010/main">
                             <a:solidFill>
                               <a:schemeClr val="tx1"/>
                             </a:solidFill>
                           </a14:hiddenFill>
                         </a:ext>
                         <a:ext uri="{91240B29-F687-4f45-9708-019B960494DF}">
-                          <a14:hiddenLine xmlns:a14="http://schemas.microsoft.com/office/drawing/2010/main" xmlns="" w="9525">
+                          <a14:hiddenLine xmlns="" xmlns:a14="http://schemas.microsoft.com/office/drawing/2010/main" w="9525">
                             <a:solidFill>
                               <a:schemeClr val="tx1"/>
                             </a:solidFill>
@@ -13182,10 +13182,17 @@
           <a:lstStyle/>
           <a:p>
             <a:r>
-              <a:rPr lang="en-US"/>
-              <a:t>The Master Theorem (from Cormen)</a:t>
-            </a:r>
-            <a:endParaRPr lang="en-US" dirty="0"/>
+              <a:rPr lang="en-US" dirty="0"/>
+              <a:t>The Master Theorem (from </a:t>
+            </a:r>
+            <a:r>
+              <a:rPr lang="en-US" dirty="0" err="1"/>
+              <a:t>Cormen</a:t>
+            </a:r>
+            <a:r>
+              <a:rPr lang="en-US" dirty="0"/>
+              <a:t>)</a:t>
+            </a:r>
           </a:p>
         </p:txBody>
       </p:sp>
@@ -13228,13 +13235,13 @@
         </p:nvSpPr>
         <p:spPr>
           <a:xfrm>
-            <a:off x="1981200" y="1219200"/>
-            <a:ext cx="8229600" cy="5386873"/>
+            <a:off x="1117600" y="1270000"/>
+            <a:ext cx="10688320" cy="5452110"/>
           </a:xfrm>
         </p:spPr>
         <p:txBody>
           <a:bodyPr>
-            <a:normAutofit lnSpcReduction="10000"/>
+            <a:normAutofit fontScale="92500" lnSpcReduction="10000"/>
           </a:bodyPr>
           <a:lstStyle/>
           <a:p>
@@ -13287,6 +13294,22 @@
           </a:p>
           <a:p>
             <a:pPr lvl="1"/>
+            <a:r>
+              <a:rPr lang="en-US" dirty="0"/>
+              <a:t>We want to compare f(n) to </a:t>
+            </a:r>
+            <a:r>
+              <a:rPr lang="en-US" dirty="0" err="1"/>
+              <a:t>n</a:t>
+            </a:r>
+            <a:r>
+              <a:rPr lang="en-US" baseline="30000" dirty="0" err="1"/>
+              <a:t>k</a:t>
+            </a:r>
+            <a:endParaRPr lang="en-US" baseline="30000" dirty="0"/>
+          </a:p>
+          <a:p>
+            <a:pPr lvl="1"/>
             <a:endParaRPr lang="en-US" dirty="0"/>
           </a:p>
           <a:p>
@@ -13519,7 +13542,7 @@
             </a:r>
           </a:p>
           <a:p>
-            <a:pPr marL="274320" lvl="1" indent="0">
+            <a:pPr marL="274320" lvl="1" indent="0" algn="l">
               <a:buNone/>
             </a:pPr>
             <a:r>
@@ -13688,33 +13711,15 @@
                                   </p:childTnLst>
                                 </p:cTn>
                               </p:par>
-                            </p:childTnLst>
-                          </p:cTn>
-                        </p:par>
-                      </p:childTnLst>
-                    </p:cTn>
-                  </p:par>
-                  <p:par>
-                    <p:cTn id="9" fill="hold">
-                      <p:stCondLst>
-                        <p:cond delay="indefinite"/>
-                      </p:stCondLst>
-                      <p:childTnLst>
-                        <p:par>
-                          <p:cTn id="10" fill="hold">
-                            <p:stCondLst>
-                              <p:cond delay="0"/>
-                            </p:stCondLst>
-                            <p:childTnLst>
                               <p:par>
-                                <p:cTn id="11" presetID="1" presetClass="entr" presetSubtype="0" fill="hold" grpId="0" nodeType="clickEffect">
+                                <p:cTn id="9" presetID="1" presetClass="entr" presetSubtype="0" fill="hold" grpId="0" nodeType="withEffect">
                                   <p:stCondLst>
                                     <p:cond delay="0"/>
                                   </p:stCondLst>
                                   <p:childTnLst>
                                     <p:set>
                                       <p:cBhvr>
-                                        <p:cTn id="12" dur="1" fill="hold">
+                                        <p:cTn id="10" dur="1" fill="hold">
                                           <p:stCondLst>
                                             <p:cond delay="0"/>
                                           </p:stCondLst>
@@ -13722,7 +13727,7 @@
                                         <p:tgtEl>
                                           <p:spTgt spid="41987">
                                             <p:txEl>
-                                              <p:pRg st="3" end="3"/>
+                                              <p:pRg st="2" end="2"/>
                                             </p:txEl>
                                           </p:spTgt>
                                         </p:tgtEl>
@@ -13744,26 +13749,26 @@
                     </p:cTn>
                   </p:par>
                   <p:par>
-                    <p:cTn id="13" fill="hold">
+                    <p:cTn id="11" fill="hold">
                       <p:stCondLst>
                         <p:cond delay="indefinite"/>
                       </p:stCondLst>
                       <p:childTnLst>
                         <p:par>
-                          <p:cTn id="14" fill="hold">
+                          <p:cTn id="12" fill="hold">
                             <p:stCondLst>
                               <p:cond delay="0"/>
                             </p:stCondLst>
                             <p:childTnLst>
                               <p:par>
-                                <p:cTn id="15" presetID="1" presetClass="entr" presetSubtype="0" fill="hold" grpId="0" nodeType="clickEffect">
+                                <p:cTn id="13" presetID="1" presetClass="entr" presetSubtype="0" fill="hold" grpId="0" nodeType="clickEffect">
                                   <p:stCondLst>
                                     <p:cond delay="0"/>
                                   </p:stCondLst>
                                   <p:childTnLst>
                                     <p:set>
                                       <p:cBhvr>
-                                        <p:cTn id="16" dur="1" fill="hold">
+                                        <p:cTn id="14" dur="1" fill="hold">
                                           <p:stCondLst>
                                             <p:cond delay="0"/>
                                           </p:stCondLst>
@@ -13793,26 +13798,26 @@
                     </p:cTn>
                   </p:par>
                   <p:par>
-                    <p:cTn id="17" fill="hold">
+                    <p:cTn id="15" fill="hold">
                       <p:stCondLst>
                         <p:cond delay="indefinite"/>
                       </p:stCondLst>
                       <p:childTnLst>
                         <p:par>
-                          <p:cTn id="18" fill="hold">
+                          <p:cTn id="16" fill="hold">
                             <p:stCondLst>
                               <p:cond delay="0"/>
                             </p:stCondLst>
                             <p:childTnLst>
                               <p:par>
-                                <p:cTn id="19" presetID="1" presetClass="entr" presetSubtype="0" fill="hold" grpId="0" nodeType="clickEffect">
+                                <p:cTn id="17" presetID="1" presetClass="entr" presetSubtype="0" fill="hold" grpId="0" nodeType="clickEffect">
                                   <p:stCondLst>
                                     <p:cond delay="0"/>
                                   </p:stCondLst>
                                   <p:childTnLst>
                                     <p:set>
                                       <p:cBhvr>
-                                        <p:cTn id="20" dur="1" fill="hold">
+                                        <p:cTn id="18" dur="1" fill="hold">
                                           <p:stCondLst>
                                             <p:cond delay="0"/>
                                           </p:stCondLst>
@@ -13820,7 +13825,7 @@
                                         <p:tgtEl>
                                           <p:spTgt spid="41987">
                                             <p:txEl>
-                                              <p:pRg st="6" end="6"/>
+                                              <p:pRg st="5" end="5"/>
                                             </p:txEl>
                                           </p:spTgt>
                                         </p:tgtEl>
@@ -13842,26 +13847,26 @@
                     </p:cTn>
                   </p:par>
                   <p:par>
-                    <p:cTn id="21" fill="hold">
+                    <p:cTn id="19" fill="hold">
                       <p:stCondLst>
                         <p:cond delay="indefinite"/>
                       </p:stCondLst>
                       <p:childTnLst>
                         <p:par>
-                          <p:cTn id="22" fill="hold">
+                          <p:cTn id="20" fill="hold">
                             <p:stCondLst>
                               <p:cond delay="0"/>
                             </p:stCondLst>
                             <p:childTnLst>
                               <p:par>
-                                <p:cTn id="23" presetID="1" presetClass="entr" presetSubtype="0" fill="hold" grpId="0" nodeType="clickEffect">
+                                <p:cTn id="21" presetID="1" presetClass="entr" presetSubtype="0" fill="hold" grpId="0" nodeType="clickEffect">
                                   <p:stCondLst>
                                     <p:cond delay="0"/>
                                   </p:stCondLst>
                                   <p:childTnLst>
                                     <p:set>
                                       <p:cBhvr>
-                                        <p:cTn id="24" dur="1" fill="hold">
+                                        <p:cTn id="22" dur="1" fill="hold">
                                           <p:stCondLst>
                                             <p:cond delay="0"/>
                                           </p:stCondLst>
@@ -13869,7 +13874,7 @@
                                         <p:tgtEl>
                                           <p:spTgt spid="41987">
                                             <p:txEl>
-                                              <p:pRg st="8" end="8"/>
+                                              <p:pRg st="7" end="7"/>
                                             </p:txEl>
                                           </p:spTgt>
                                         </p:tgtEl>
@@ -13884,8 +13889,26 @@
                                   </p:childTnLst>
                                 </p:cTn>
                               </p:par>
+                            </p:childTnLst>
+                          </p:cTn>
+                        </p:par>
+                      </p:childTnLst>
+                    </p:cTn>
+                  </p:par>
+                  <p:par>
+                    <p:cTn id="23" fill="hold">
+                      <p:stCondLst>
+                        <p:cond delay="indefinite"/>
+                      </p:stCondLst>
+                      <p:childTnLst>
+                        <p:par>
+                          <p:cTn id="24" fill="hold">
+                            <p:stCondLst>
+                              <p:cond delay="0"/>
+                            </p:stCondLst>
+                            <p:childTnLst>
                               <p:par>
-                                <p:cTn id="25" presetID="1" presetClass="entr" presetSubtype="0" fill="hold" grpId="0" nodeType="withEffect">
+                                <p:cTn id="25" presetID="1" presetClass="entr" presetSubtype="0" fill="hold" grpId="0" nodeType="clickEffect">
                                   <p:stCondLst>
                                     <p:cond delay="0"/>
                                   </p:stCondLst>
@@ -13915,6 +13938,37 @@
                                   </p:childTnLst>
                                 </p:cTn>
                               </p:par>
+                              <p:par>
+                                <p:cTn id="27" presetID="1" presetClass="entr" presetSubtype="0" fill="hold" grpId="0" nodeType="withEffect">
+                                  <p:stCondLst>
+                                    <p:cond delay="0"/>
+                                  </p:stCondLst>
+                                  <p:childTnLst>
+                                    <p:set>
+                                      <p:cBhvr>
+                                        <p:cTn id="28" dur="1" fill="hold">
+                                          <p:stCondLst>
+                                            <p:cond delay="0"/>
+                                          </p:stCondLst>
+                                        </p:cTn>
+                                        <p:tgtEl>
+                                          <p:spTgt spid="41987">
+                                            <p:txEl>
+                                              <p:pRg st="10" end="10"/>
+                                            </p:txEl>
+                                          </p:spTgt>
+                                        </p:tgtEl>
+                                        <p:attrNameLst>
+                                          <p:attrName>style.visibility</p:attrName>
+                                        </p:attrNameLst>
+                                      </p:cBhvr>
+                                      <p:to>
+                                        <p:strVal val="visible"/>
+                                      </p:to>
+                                    </p:set>
+                                  </p:childTnLst>
+                                </p:cTn>
+                              </p:par>
                             </p:childTnLst>
                           </p:cTn>
                         </p:par>
@@ -13922,26 +13976,26 @@
                     </p:cTn>
                   </p:par>
                   <p:par>
-                    <p:cTn id="27" fill="hold">
+                    <p:cTn id="29" fill="hold">
                       <p:stCondLst>
                         <p:cond delay="indefinite"/>
                       </p:stCondLst>
                       <p:childTnLst>
                         <p:par>
-                          <p:cTn id="28" fill="hold">
+                          <p:cTn id="30" fill="hold">
                             <p:stCondLst>
                               <p:cond delay="0"/>
                             </p:stCondLst>
                             <p:childTnLst>
                               <p:par>
-                                <p:cTn id="29" presetID="1" presetClass="entr" presetSubtype="0" fill="hold" grpId="0" nodeType="clickEffect">
+                                <p:cTn id="31" presetID="1" presetClass="entr" presetSubtype="0" fill="hold" grpId="0" nodeType="clickEffect">
                                   <p:stCondLst>
                                     <p:cond delay="0"/>
                                   </p:stCondLst>
                                   <p:childTnLst>
                                     <p:set>
                                       <p:cBhvr>
-                                        <p:cTn id="30" dur="1" fill="hold">
+                                        <p:cTn id="32" dur="1" fill="hold">
                                           <p:stCondLst>
                                             <p:cond delay="0"/>
                                           </p:stCondLst>
@@ -13949,7 +14003,7 @@
                                         <p:tgtEl>
                                           <p:spTgt spid="41987">
                                             <p:txEl>
-                                              <p:pRg st="11" end="11"/>
+                                              <p:pRg st="12" end="12"/>
                                             </p:txEl>
                                           </p:spTgt>
                                         </p:tgtEl>
@@ -14135,6 +14189,17 @@
             <a:r>
               <a:rPr lang="en-US" dirty="0"/>
               <a:t> 9 = 2</a:t>
+            </a:r>
+          </a:p>
+          <a:p>
+            <a:pPr lvl="1"/>
+            <a:r>
+              <a:rPr lang="en-US" dirty="0"/>
+              <a:t>Compare f(n)=n to n</a:t>
+            </a:r>
+            <a:r>
+              <a:rPr lang="en-US" baseline="30000" dirty="0"/>
+              <a:t>2</a:t>
             </a:r>
           </a:p>
           <a:p>
@@ -14480,33 +14545,15 @@
                                   </p:childTnLst>
                                 </p:cTn>
                               </p:par>
-                            </p:childTnLst>
-                          </p:cTn>
-                        </p:par>
-                      </p:childTnLst>
-                    </p:cTn>
-                  </p:par>
-                  <p:par>
-                    <p:cTn id="21" fill="hold">
-                      <p:stCondLst>
-                        <p:cond delay="indefinite"/>
-                      </p:stCondLst>
-                      <p:childTnLst>
-                        <p:par>
-                          <p:cTn id="22" fill="hold">
-                            <p:stCondLst>
-                              <p:cond delay="0"/>
-                            </p:stCondLst>
-                            <p:childTnLst>
                               <p:par>
-                                <p:cTn id="23" presetID="22" presetClass="entr" presetSubtype="4" fill="hold" grpId="0" nodeType="clickEffect">
+                                <p:cTn id="21" presetID="22" presetClass="entr" presetSubtype="4" fill="hold" grpId="0" nodeType="withEffect">
                                   <p:stCondLst>
                                     <p:cond delay="0"/>
                                   </p:stCondLst>
                                   <p:childTnLst>
                                     <p:set>
                                       <p:cBhvr>
-                                        <p:cTn id="24" dur="1" fill="hold">
+                                        <p:cTn id="22" dur="1" fill="hold">
                                           <p:stCondLst>
                                             <p:cond delay="0"/>
                                           </p:stCondLst>
@@ -14528,7 +14575,7 @@
                                     </p:set>
                                     <p:animEffect transition="in" filter="wipe(down)">
                                       <p:cBhvr>
-                                        <p:cTn id="25" dur="500"/>
+                                        <p:cTn id="23" dur="500"/>
                                         <p:tgtEl>
                                           <p:spTgt spid="44035">
                                             <p:txEl>
@@ -14548,26 +14595,26 @@
                     </p:cTn>
                   </p:par>
                   <p:par>
-                    <p:cTn id="26" fill="hold">
+                    <p:cTn id="24" fill="hold">
                       <p:stCondLst>
                         <p:cond delay="indefinite"/>
                       </p:stCondLst>
                       <p:childTnLst>
                         <p:par>
-                          <p:cTn id="27" fill="hold">
+                          <p:cTn id="25" fill="hold">
                             <p:stCondLst>
                               <p:cond delay="0"/>
                             </p:stCondLst>
                             <p:childTnLst>
                               <p:par>
-                                <p:cTn id="28" presetID="22" presetClass="entr" presetSubtype="4" fill="hold" grpId="0" nodeType="clickEffect">
+                                <p:cTn id="26" presetID="22" presetClass="entr" presetSubtype="4" fill="hold" grpId="0" nodeType="clickEffect">
                                   <p:stCondLst>
                                     <p:cond delay="0"/>
                                   </p:stCondLst>
                                   <p:childTnLst>
                                     <p:set>
                                       <p:cBhvr>
-                                        <p:cTn id="29" dur="1" fill="hold">
+                                        <p:cTn id="27" dur="1" fill="hold">
                                           <p:stCondLst>
                                             <p:cond delay="0"/>
                                           </p:stCondLst>
@@ -14589,11 +14636,72 @@
                                     </p:set>
                                     <p:animEffect transition="in" filter="wipe(down)">
                                       <p:cBhvr>
-                                        <p:cTn id="30" dur="500"/>
+                                        <p:cTn id="28" dur="500"/>
                                         <p:tgtEl>
                                           <p:spTgt spid="44035">
                                             <p:txEl>
                                               <p:pRg st="6" end="6"/>
+                                            </p:txEl>
+                                          </p:spTgt>
+                                        </p:tgtEl>
+                                      </p:cBhvr>
+                                    </p:animEffect>
+                                  </p:childTnLst>
+                                </p:cTn>
+                              </p:par>
+                            </p:childTnLst>
+                          </p:cTn>
+                        </p:par>
+                      </p:childTnLst>
+                    </p:cTn>
+                  </p:par>
+                  <p:par>
+                    <p:cTn id="29" fill="hold">
+                      <p:stCondLst>
+                        <p:cond delay="indefinite"/>
+                      </p:stCondLst>
+                      <p:childTnLst>
+                        <p:par>
+                          <p:cTn id="30" fill="hold">
+                            <p:stCondLst>
+                              <p:cond delay="0"/>
+                            </p:stCondLst>
+                            <p:childTnLst>
+                              <p:par>
+                                <p:cTn id="31" presetID="22" presetClass="entr" presetSubtype="4" fill="hold" grpId="0" nodeType="clickEffect">
+                                  <p:stCondLst>
+                                    <p:cond delay="0"/>
+                                  </p:stCondLst>
+                                  <p:childTnLst>
+                                    <p:set>
+                                      <p:cBhvr>
+                                        <p:cTn id="32" dur="1" fill="hold">
+                                          <p:stCondLst>
+                                            <p:cond delay="0"/>
+                                          </p:stCondLst>
+                                        </p:cTn>
+                                        <p:tgtEl>
+                                          <p:spTgt spid="44035">
+                                            <p:txEl>
+                                              <p:pRg st="7" end="7"/>
+                                            </p:txEl>
+                                          </p:spTgt>
+                                        </p:tgtEl>
+                                        <p:attrNameLst>
+                                          <p:attrName>style.visibility</p:attrName>
+                                        </p:attrNameLst>
+                                      </p:cBhvr>
+                                      <p:to>
+                                        <p:strVal val="visible"/>
+                                      </p:to>
+                                    </p:set>
+                                    <p:animEffect transition="in" filter="wipe(down)">
+                                      <p:cBhvr>
+                                        <p:cTn id="33" dur="500"/>
+                                        <p:tgtEl>
+                                          <p:spTgt spid="44035">
+                                            <p:txEl>
+                                              <p:pRg st="7" end="7"/>
                                             </p:txEl>
                                           </p:spTgt>
                                         </p:tgtEl>
@@ -18574,6 +18682,266 @@
   <p:clrMapOvr>
     <a:masterClrMapping/>
   </p:clrMapOvr>
+  <p:timing>
+    <p:tnLst>
+      <p:par>
+        <p:cTn id="1" dur="indefinite" restart="never" nodeType="tmRoot">
+          <p:childTnLst>
+            <p:seq concurrent="1" nextAc="seek">
+              <p:cTn id="2" dur="indefinite" nodeType="mainSeq">
+                <p:childTnLst>
+                  <p:par>
+                    <p:cTn id="3" fill="hold">
+                      <p:stCondLst>
+                        <p:cond delay="indefinite"/>
+                      </p:stCondLst>
+                      <p:childTnLst>
+                        <p:par>
+                          <p:cTn id="4" fill="hold">
+                            <p:stCondLst>
+                              <p:cond delay="0"/>
+                            </p:stCondLst>
+                            <p:childTnLst>
+                              <p:par>
+                                <p:cTn id="5" presetID="1" presetClass="entr" presetSubtype="0" fill="hold" grpId="0" nodeType="clickEffect">
+                                  <p:stCondLst>
+                                    <p:cond delay="0"/>
+                                  </p:stCondLst>
+                                  <p:childTnLst>
+                                    <p:set>
+                                      <p:cBhvr>
+                                        <p:cTn id="6" dur="1" fill="hold">
+                                          <p:stCondLst>
+                                            <p:cond delay="0"/>
+                                          </p:stCondLst>
+                                        </p:cTn>
+                                        <p:tgtEl>
+                                          <p:spTgt spid="45059">
+                                            <p:txEl>
+                                              <p:pRg st="1" end="1"/>
+                                            </p:txEl>
+                                          </p:spTgt>
+                                        </p:tgtEl>
+                                        <p:attrNameLst>
+                                          <p:attrName>style.visibility</p:attrName>
+                                        </p:attrNameLst>
+                                      </p:cBhvr>
+                                      <p:to>
+                                        <p:strVal val="visible"/>
+                                      </p:to>
+                                    </p:set>
+                                  </p:childTnLst>
+                                </p:cTn>
+                              </p:par>
+                            </p:childTnLst>
+                          </p:cTn>
+                        </p:par>
+                      </p:childTnLst>
+                    </p:cTn>
+                  </p:par>
+                  <p:par>
+                    <p:cTn id="7" fill="hold">
+                      <p:stCondLst>
+                        <p:cond delay="indefinite"/>
+                      </p:stCondLst>
+                      <p:childTnLst>
+                        <p:par>
+                          <p:cTn id="8" fill="hold">
+                            <p:stCondLst>
+                              <p:cond delay="0"/>
+                            </p:stCondLst>
+                            <p:childTnLst>
+                              <p:par>
+                                <p:cTn id="9" presetID="1" presetClass="entr" presetSubtype="0" fill="hold" grpId="0" nodeType="clickEffect">
+                                  <p:stCondLst>
+                                    <p:cond delay="0"/>
+                                  </p:stCondLst>
+                                  <p:childTnLst>
+                                    <p:set>
+                                      <p:cBhvr>
+                                        <p:cTn id="10" dur="1" fill="hold">
+                                          <p:stCondLst>
+                                            <p:cond delay="0"/>
+                                          </p:stCondLst>
+                                        </p:cTn>
+                                        <p:tgtEl>
+                                          <p:spTgt spid="45059">
+                                            <p:txEl>
+                                              <p:pRg st="2" end="2"/>
+                                            </p:txEl>
+                                          </p:spTgt>
+                                        </p:tgtEl>
+                                        <p:attrNameLst>
+                                          <p:attrName>style.visibility</p:attrName>
+                                        </p:attrNameLst>
+                                      </p:cBhvr>
+                                      <p:to>
+                                        <p:strVal val="visible"/>
+                                      </p:to>
+                                    </p:set>
+                                  </p:childTnLst>
+                                </p:cTn>
+                              </p:par>
+                            </p:childTnLst>
+                          </p:cTn>
+                        </p:par>
+                      </p:childTnLst>
+                    </p:cTn>
+                  </p:par>
+                  <p:par>
+                    <p:cTn id="11" fill="hold">
+                      <p:stCondLst>
+                        <p:cond delay="indefinite"/>
+                      </p:stCondLst>
+                      <p:childTnLst>
+                        <p:par>
+                          <p:cTn id="12" fill="hold">
+                            <p:stCondLst>
+                              <p:cond delay="0"/>
+                            </p:stCondLst>
+                            <p:childTnLst>
+                              <p:par>
+                                <p:cTn id="13" presetID="1" presetClass="entr" presetSubtype="0" fill="hold" grpId="0" nodeType="clickEffect">
+                                  <p:stCondLst>
+                                    <p:cond delay="0"/>
+                                  </p:stCondLst>
+                                  <p:childTnLst>
+                                    <p:set>
+                                      <p:cBhvr>
+                                        <p:cTn id="14" dur="1" fill="hold">
+                                          <p:stCondLst>
+                                            <p:cond delay="0"/>
+                                          </p:stCondLst>
+                                        </p:cTn>
+                                        <p:tgtEl>
+                                          <p:spTgt spid="45059">
+                                            <p:txEl>
+                                              <p:pRg st="4" end="4"/>
+                                            </p:txEl>
+                                          </p:spTgt>
+                                        </p:tgtEl>
+                                        <p:attrNameLst>
+                                          <p:attrName>style.visibility</p:attrName>
+                                        </p:attrNameLst>
+                                      </p:cBhvr>
+                                      <p:to>
+                                        <p:strVal val="visible"/>
+                                      </p:to>
+                                    </p:set>
+                                  </p:childTnLst>
+                                </p:cTn>
+                              </p:par>
+                            </p:childTnLst>
+                          </p:cTn>
+                        </p:par>
+                      </p:childTnLst>
+                    </p:cTn>
+                  </p:par>
+                  <p:par>
+                    <p:cTn id="15" fill="hold">
+                      <p:stCondLst>
+                        <p:cond delay="indefinite"/>
+                      </p:stCondLst>
+                      <p:childTnLst>
+                        <p:par>
+                          <p:cTn id="16" fill="hold">
+                            <p:stCondLst>
+                              <p:cond delay="0"/>
+                            </p:stCondLst>
+                            <p:childTnLst>
+                              <p:par>
+                                <p:cTn id="17" presetID="1" presetClass="entr" presetSubtype="0" fill="hold" grpId="0" nodeType="clickEffect">
+                                  <p:stCondLst>
+                                    <p:cond delay="0"/>
+                                  </p:stCondLst>
+                                  <p:childTnLst>
+                                    <p:set>
+                                      <p:cBhvr>
+                                        <p:cTn id="18" dur="1" fill="hold">
+                                          <p:stCondLst>
+                                            <p:cond delay="0"/>
+                                          </p:stCondLst>
+                                        </p:cTn>
+                                        <p:tgtEl>
+                                          <p:spTgt spid="45059">
+                                            <p:txEl>
+                                              <p:pRg st="6" end="6"/>
+                                            </p:txEl>
+                                          </p:spTgt>
+                                        </p:tgtEl>
+                                        <p:attrNameLst>
+                                          <p:attrName>style.visibility</p:attrName>
+                                        </p:attrNameLst>
+                                      </p:cBhvr>
+                                      <p:to>
+                                        <p:strVal val="visible"/>
+                                      </p:to>
+                                    </p:set>
+                                  </p:childTnLst>
+                                </p:cTn>
+                              </p:par>
+                              <p:par>
+                                <p:cTn id="19" presetID="1" presetClass="entr" presetSubtype="0" fill="hold" grpId="0" nodeType="withEffect">
+                                  <p:stCondLst>
+                                    <p:cond delay="0"/>
+                                  </p:stCondLst>
+                                  <p:childTnLst>
+                                    <p:set>
+                                      <p:cBhvr>
+                                        <p:cTn id="20" dur="1" fill="hold">
+                                          <p:stCondLst>
+                                            <p:cond delay="0"/>
+                                          </p:stCondLst>
+                                        </p:cTn>
+                                        <p:tgtEl>
+                                          <p:spTgt spid="45059">
+                                            <p:txEl>
+                                              <p:pRg st="7" end="7"/>
+                                            </p:txEl>
+                                          </p:spTgt>
+                                        </p:tgtEl>
+                                        <p:attrNameLst>
+                                          <p:attrName>style.visibility</p:attrName>
+                                        </p:attrNameLst>
+                                      </p:cBhvr>
+                                      <p:to>
+                                        <p:strVal val="visible"/>
+                                      </p:to>
+                                    </p:set>
+                                  </p:childTnLst>
+                                </p:cTn>
+                              </p:par>
+                            </p:childTnLst>
+                          </p:cTn>
+                        </p:par>
+                      </p:childTnLst>
+                    </p:cTn>
+                  </p:par>
+                </p:childTnLst>
+              </p:cTn>
+              <p:prevCondLst>
+                <p:cond evt="onPrev" delay="0">
+                  <p:tgtEl>
+                    <p:sldTgt/>
+                  </p:tgtEl>
+                </p:cond>
+              </p:prevCondLst>
+              <p:nextCondLst>
+                <p:cond evt="onNext" delay="0">
+                  <p:tgtEl>
+                    <p:sldTgt/>
+                  </p:tgtEl>
+                </p:cond>
+              </p:nextCondLst>
+            </p:seq>
+          </p:childTnLst>
+        </p:cTn>
+      </p:par>
+    </p:tnLst>
+    <p:bldLst>
+      <p:bldP spid="45059" grpId="0" uiExpand="1" build="p"/>
+    </p:bldLst>
+  </p:timing>
 </p:sld>
 </file>
 
@@ -25156,13 +25524,13 @@
 </p:tagLst>
 </file>
 
-<file path=ppt/tags/tag75.xml><?xml version="1.0" encoding="utf-8"?>
+<file path=ppt/tags/tag74.xml><?xml version="1.0" encoding="utf-8"?>
 <p:tagLst xmlns:a="http://schemas.openxmlformats.org/drawingml/2006/main" xmlns:r="http://schemas.openxmlformats.org/officeDocument/2006/relationships" xmlns:p="http://schemas.openxmlformats.org/presentationml/2006/main">
   <p:tag name="_INSTRUCTOR VIEW19C14C36-AC8E-43BC-9DB6-C2AAF774C7DC|PANE__TAG" val="_"/>
 </p:tagLst>
 </file>
 
-<file path=ppt/tags/tag76.xml><?xml version="1.0" encoding="utf-8"?>
+<file path=ppt/tags/tag75.xml><?xml version="1.0" encoding="utf-8"?>
 <p:tagLst xmlns:a="http://schemas.openxmlformats.org/drawingml/2006/main" xmlns:r="http://schemas.openxmlformats.org/officeDocument/2006/relationships" xmlns:p="http://schemas.openxmlformats.org/presentationml/2006/main">
   <p:tag name="_INSTRUCTOR VIEW19C14C36-AC8E-43BC-9DB6-C2AAF774C7DC|PANE__TAG" val="_"/>
 </p:tagLst>
